--- a/templates/pptx/test_template.pptx
+++ b/templates/pptx/test_template.pptx
@@ -11196,7 +11196,7 @@
                 <a:cs typeface="Pretendard"/>
                 <a:sym typeface="Pretendard"/>
               </a:rPr>
-              <a:t>{{detail}}</a:t>
+              <a:t>{{details}}</a:t>
             </a:r>
             <a:endParaRPr lang="ko-KR" altLang="en-US" sz="825" dirty="0">
               <a:latin typeface="프리젠테이션 5 Medium" pitchFamily="2" charset="-127"/>
@@ -11263,7 +11263,7 @@
                 <a:cs typeface="Pretendard"/>
                 <a:sym typeface="Pretendard"/>
               </a:rPr>
-              <a:t>{{result}}</a:t>
+              <a:t>{{results}}</a:t>
             </a:r>
             <a:endParaRPr sz="825" dirty="0">
               <a:latin typeface="프리젠테이션 5 Medium" pitchFamily="2" charset="-127"/>
@@ -12706,7 +12706,51 @@
                 <a:ea typeface="프리젠테이션 4 Regular" pitchFamily="2" charset="-127"/>
                 <a:cs typeface="Pretendard Medium" panose="02000603000000020004" pitchFamily="50" charset="-127"/>
               </a:rPr>
-              <a:t>{{period}} | </a:t>
+              <a:t>{{</a:t>
+            </a:r>
+            <a:r>
+              <a:rPr lang="en-US" altLang="ko-KR" sz="750" dirty="0" err="1">
+                <a:solidFill>
+                  <a:srgbClr val="000000"/>
+                </a:solidFill>
+                <a:latin typeface="프리젠테이션 4 Regular" pitchFamily="2" charset="-127"/>
+                <a:ea typeface="프리젠테이션 4 Regular" pitchFamily="2" charset="-127"/>
+                <a:cs typeface="Pretendard Medium" panose="02000603000000020004" pitchFamily="50" charset="-127"/>
+              </a:rPr>
+              <a:t>start_date</a:t>
+            </a:r>
+            <a:r>
+              <a:rPr lang="en-US" altLang="ko-KR" sz="750" dirty="0">
+                <a:solidFill>
+                  <a:srgbClr val="000000"/>
+                </a:solidFill>
+                <a:latin typeface="프리젠테이션 4 Regular" pitchFamily="2" charset="-127"/>
+                <a:ea typeface="프리젠테이션 4 Regular" pitchFamily="2" charset="-127"/>
+                <a:cs typeface="Pretendard Medium" panose="02000603000000020004" pitchFamily="50" charset="-127"/>
+              </a:rPr>
+              <a:t>}}-{{</a:t>
+            </a:r>
+            <a:r>
+              <a:rPr lang="en-US" altLang="ko-KR" sz="750" dirty="0" err="1">
+                <a:solidFill>
+                  <a:srgbClr val="000000"/>
+                </a:solidFill>
+                <a:latin typeface="프리젠테이션 4 Regular" pitchFamily="2" charset="-127"/>
+                <a:ea typeface="프리젠테이션 4 Regular" pitchFamily="2" charset="-127"/>
+                <a:cs typeface="Pretendard Medium" panose="02000603000000020004" pitchFamily="50" charset="-127"/>
+              </a:rPr>
+              <a:t>end_date</a:t>
+            </a:r>
+            <a:r>
+              <a:rPr lang="en-US" altLang="ko-KR" sz="750" dirty="0">
+                <a:solidFill>
+                  <a:srgbClr val="000000"/>
+                </a:solidFill>
+                <a:latin typeface="프리젠테이션 4 Regular" pitchFamily="2" charset="-127"/>
+                <a:ea typeface="프리젠테이션 4 Regular" pitchFamily="2" charset="-127"/>
+                <a:cs typeface="Pretendard Medium" panose="02000603000000020004" pitchFamily="50" charset="-127"/>
+              </a:rPr>
+              <a:t>}} | </a:t>
             </a:r>
             <a:r>
               <a:rPr lang="ko-KR" altLang="en-US" sz="750" dirty="0">
@@ -12785,7 +12829,7 @@
                 <a:ea typeface="프리젠테이션 7 Bold" pitchFamily="2" charset="-127"/>
                 <a:cs typeface="Pretendard SemiBold" panose="02000703000000020004" pitchFamily="2" charset="-127"/>
               </a:rPr>
-              <a:t>{{title}}</a:t>
+              <a:t>{{project}}</a:t>
             </a:r>
             <a:endParaRPr lang="ko-KR" altLang="en-US" sz="1800" dirty="0">
               <a:solidFill>
@@ -12836,202 +12880,6 @@
           <a:chExt cx="0" cy="0"/>
         </a:xfrm>
       </p:grpSpPr>
-      <p:sp>
-        <p:nvSpPr>
-          <p:cNvPr id="7" name="Google Shape;317;p18">
-            <a:extLst>
-              <a:ext uri="{FF2B5EF4-FFF2-40B4-BE49-F238E27FC236}">
-                <a16:creationId xmlns:a16="http://schemas.microsoft.com/office/drawing/2014/main" id="{D6AD20F5-61E5-DF0C-826E-0E249C0FA4B4}"/>
-              </a:ext>
-            </a:extLst>
-          </p:cNvPr>
-          <p:cNvSpPr txBox="1"/>
-          <p:nvPr/>
-        </p:nvSpPr>
-        <p:spPr>
-          <a:xfrm>
-            <a:off x="346715" y="475915"/>
-            <a:ext cx="5682405" cy="346218"/>
-          </a:xfrm>
-          <a:prstGeom prst="rect">
-            <a:avLst/>
-          </a:prstGeom>
-          <a:noFill/>
-          <a:ln>
-            <a:noFill/>
-          </a:ln>
-        </p:spPr>
-        <p:txBody>
-          <a:bodyPr spcFirstLastPara="1" wrap="square" lIns="68575" tIns="34275" rIns="68575" bIns="34275" anchor="t" anchorCtr="0">
-            <a:spAutoFit/>
-          </a:bodyPr>
-          <a:lstStyle/>
-          <a:p>
-            <a:pPr defTabSz="914378">
-              <a:buSzPts val="1800"/>
-              <a:defRPr/>
-            </a:pPr>
-            <a:r>
-              <a:rPr lang="ko" altLang="en-US" sz="1800" dirty="0">
-                <a:solidFill>
-                  <a:srgbClr val="0070C0"/>
-                </a:solidFill>
-                <a:latin typeface="프리젠테이션 7 Bold" pitchFamily="2" charset="-127"/>
-                <a:ea typeface="프리젠테이션 7 Bold" pitchFamily="2" charset="-127"/>
-                <a:cs typeface="Pretendard SemiBold" panose="02000703000000020004" pitchFamily="2" charset="-127"/>
-              </a:rPr>
-              <a:t>그로스플래닛ㅣ</a:t>
-            </a:r>
-            <a:r>
-              <a:rPr lang="ko" altLang="en-US" sz="1800" dirty="0">
-                <a:latin typeface="프리젠테이션 7 Bold" pitchFamily="2" charset="-127"/>
-                <a:ea typeface="프리젠테이션 7 Bold" pitchFamily="2" charset="-127"/>
-                <a:cs typeface="Pretendard SemiBold" panose="02000703000000020004" pitchFamily="2" charset="-127"/>
-              </a:rPr>
-              <a:t>신규 서비스 론칭 캠페인</a:t>
-            </a:r>
-            <a:endParaRPr sz="1800" dirty="0">
-              <a:latin typeface="프리젠테이션 7 Bold" pitchFamily="2" charset="-127"/>
-              <a:ea typeface="프리젠테이션 7 Bold" pitchFamily="2" charset="-127"/>
-              <a:cs typeface="Pretendard SemiBold" panose="02000703000000020004" pitchFamily="2" charset="-127"/>
-            </a:endParaRPr>
-          </a:p>
-        </p:txBody>
-      </p:sp>
-      <p:sp>
-        <p:nvSpPr>
-          <p:cNvPr id="8" name="Google Shape;318;p18">
-            <a:extLst>
-              <a:ext uri="{FF2B5EF4-FFF2-40B4-BE49-F238E27FC236}">
-                <a16:creationId xmlns:a16="http://schemas.microsoft.com/office/drawing/2014/main" id="{0A14F9BE-2269-2F39-04F5-0925A5CFF2B0}"/>
-              </a:ext>
-            </a:extLst>
-          </p:cNvPr>
-          <p:cNvSpPr txBox="1"/>
-          <p:nvPr/>
-        </p:nvSpPr>
-        <p:spPr>
-          <a:xfrm>
-            <a:off x="427959" y="955844"/>
-            <a:ext cx="5893219" cy="207719"/>
-          </a:xfrm>
-          <a:prstGeom prst="rect">
-            <a:avLst/>
-          </a:prstGeom>
-          <a:noFill/>
-          <a:ln>
-            <a:noFill/>
-          </a:ln>
-        </p:spPr>
-        <p:txBody>
-          <a:bodyPr spcFirstLastPara="1" wrap="square" lIns="68575" tIns="34275" rIns="68575" bIns="34275" anchor="t" anchorCtr="0">
-            <a:spAutoFit/>
-          </a:bodyPr>
-          <a:lstStyle/>
-          <a:p>
-            <a:pPr defTabSz="914378">
-              <a:buSzPts val="1800"/>
-              <a:defRPr/>
-            </a:pPr>
-            <a:r>
-              <a:rPr lang="ko" altLang="en-US" sz="900" dirty="0">
-                <a:solidFill>
-                  <a:schemeClr val="bg1">
-                    <a:lumMod val="65000"/>
-                  </a:schemeClr>
-                </a:solidFill>
-                <a:latin typeface="프리젠테이션 5 Medium" pitchFamily="2" charset="-127"/>
-                <a:ea typeface="프리젠테이션 5 Medium" pitchFamily="2" charset="-127"/>
-                <a:cs typeface="Pretendard Medium" panose="02000603000000020004" pitchFamily="50" charset="-127"/>
-              </a:rPr>
-              <a:t>그로스플래닛의 신규 서비스 ‘포트폴리오 템플릿’ 론칭에 따른 인지도 향상 및 노출 커버리지 확대를 위한 캠페인 기획 및 실행</a:t>
-            </a:r>
-            <a:endParaRPr sz="900" dirty="0">
-              <a:solidFill>
-                <a:schemeClr val="bg1">
-                  <a:lumMod val="65000"/>
-                </a:schemeClr>
-              </a:solidFill>
-              <a:latin typeface="프리젠테이션 5 Medium" pitchFamily="2" charset="-127"/>
-              <a:ea typeface="프리젠테이션 5 Medium" pitchFamily="2" charset="-127"/>
-              <a:cs typeface="Pretendard Medium" panose="02000603000000020004" pitchFamily="50" charset="-127"/>
-            </a:endParaRPr>
-          </a:p>
-        </p:txBody>
-      </p:sp>
-      <p:cxnSp>
-        <p:nvCxnSpPr>
-          <p:cNvPr id="9" name="직선 연결선 8">
-            <a:extLst>
-              <a:ext uri="{FF2B5EF4-FFF2-40B4-BE49-F238E27FC236}">
-                <a16:creationId xmlns:a16="http://schemas.microsoft.com/office/drawing/2014/main" id="{C704741E-53A5-9860-E0F4-37EB96AA7983}"/>
-              </a:ext>
-            </a:extLst>
-          </p:cNvPr>
-          <p:cNvCxnSpPr/>
-          <p:nvPr/>
-        </p:nvCxnSpPr>
-        <p:spPr>
-          <a:xfrm>
-            <a:off x="396781" y="868542"/>
-            <a:ext cx="8394212" cy="0"/>
-          </a:xfrm>
-          <a:prstGeom prst="line">
-            <a:avLst/>
-          </a:prstGeom>
-          <a:ln w="12700">
-            <a:solidFill>
-              <a:schemeClr val="bg1">
-                <a:lumMod val="95000"/>
-              </a:schemeClr>
-            </a:solidFill>
-          </a:ln>
-        </p:spPr>
-        <p:style>
-          <a:lnRef idx="1">
-            <a:schemeClr val="accent1"/>
-          </a:lnRef>
-          <a:fillRef idx="0">
-            <a:schemeClr val="accent1"/>
-          </a:fillRef>
-          <a:effectRef idx="0">
-            <a:schemeClr val="accent1"/>
-          </a:effectRef>
-          <a:fontRef idx="minor">
-            <a:schemeClr val="tx1"/>
-          </a:fontRef>
-        </p:style>
-      </p:cxnSp>
-      <p:pic>
-        <p:nvPicPr>
-          <p:cNvPr id="10" name="그림 9">
-            <a:extLst>
-              <a:ext uri="{FF2B5EF4-FFF2-40B4-BE49-F238E27FC236}">
-                <a16:creationId xmlns:a16="http://schemas.microsoft.com/office/drawing/2014/main" id="{D625856B-B8AB-9C75-A80E-4A7E8A5C10AB}"/>
-              </a:ext>
-            </a:extLst>
-          </p:cNvPr>
-          <p:cNvPicPr>
-            <a:picLocks noChangeAspect="1"/>
-          </p:cNvPicPr>
-          <p:nvPr/>
-        </p:nvPicPr>
-        <p:blipFill>
-          <a:blip r:embed="rId3"/>
-          <a:stretch>
-            <a:fillRect/>
-          </a:stretch>
-        </p:blipFill>
-        <p:spPr>
-          <a:xfrm>
-            <a:off x="376982" y="1005008"/>
-            <a:ext cx="103734" cy="103734"/>
-          </a:xfrm>
-          <a:prstGeom prst="rect">
-            <a:avLst/>
-          </a:prstGeom>
-        </p:spPr>
-      </p:pic>
       <p:sp>
         <p:nvSpPr>
           <p:cNvPr id="14" name="사각형: 둥근 모서리 13">
@@ -13119,7 +12967,7 @@
           <p:nvPr/>
         </p:nvPicPr>
         <p:blipFill>
-          <a:blip r:embed="rId4"/>
+          <a:blip r:embed="rId3"/>
           <a:stretch>
             <a:fillRect/>
           </a:stretch>
@@ -13408,7 +13256,7 @@
           <p:nvPr/>
         </p:nvPicPr>
         <p:blipFill>
-          <a:blip r:embed="rId5"/>
+          <a:blip r:embed="rId4"/>
           <a:stretch>
             <a:fillRect/>
           </a:stretch>
@@ -13697,7 +13545,7 @@
           <p:nvPr/>
         </p:nvPicPr>
         <p:blipFill>
-          <a:blip r:embed="rId5"/>
+          <a:blip r:embed="rId4"/>
           <a:stretch>
             <a:fillRect/>
           </a:stretch>
@@ -13986,7 +13834,7 @@
           <p:nvPr/>
         </p:nvPicPr>
         <p:blipFill>
-          <a:blip r:embed="rId5"/>
+          <a:blip r:embed="rId4"/>
           <a:stretch>
             <a:fillRect/>
           </a:stretch>
@@ -14275,7 +14123,7 @@
           <p:nvPr/>
         </p:nvPicPr>
         <p:blipFill>
-          <a:blip r:embed="rId5"/>
+          <a:blip r:embed="rId4"/>
           <a:stretch>
             <a:fillRect/>
           </a:stretch>
@@ -14564,7 +14412,7 @@
           <p:nvPr/>
         </p:nvPicPr>
         <p:blipFill>
-          <a:blip r:embed="rId5"/>
+          <a:blip r:embed="rId4"/>
           <a:stretch>
             <a:fillRect/>
           </a:stretch>
@@ -14853,7 +14701,7 @@
           <p:nvPr/>
         </p:nvPicPr>
         <p:blipFill>
-          <a:blip r:embed="rId5"/>
+          <a:blip r:embed="rId4"/>
           <a:stretch>
             <a:fillRect/>
           </a:stretch>
@@ -16178,10 +16026,198 @@
       </p:sp>
       <p:sp>
         <p:nvSpPr>
-          <p:cNvPr id="2" name="사각형: 둥근 모서리 1">
+          <p:cNvPr id="3" name="Google Shape;317;p18">
             <a:extLst>
               <a:ext uri="{FF2B5EF4-FFF2-40B4-BE49-F238E27FC236}">
-                <a16:creationId xmlns:a16="http://schemas.microsoft.com/office/drawing/2014/main" id="{26D3E6A9-7090-6CF6-A281-A285431DB7EC}"/>
+                <a16:creationId xmlns:a16="http://schemas.microsoft.com/office/drawing/2014/main" id="{503EF396-EC65-91AB-9BD3-D6A8CB2346AC}"/>
+              </a:ext>
+            </a:extLst>
+          </p:cNvPr>
+          <p:cNvSpPr txBox="1"/>
+          <p:nvPr/>
+        </p:nvSpPr>
+        <p:spPr>
+          <a:xfrm>
+            <a:off x="346716" y="475915"/>
+            <a:ext cx="1507916" cy="346218"/>
+          </a:xfrm>
+          <a:prstGeom prst="rect">
+            <a:avLst/>
+          </a:prstGeom>
+          <a:noFill/>
+          <a:ln>
+            <a:noFill/>
+          </a:ln>
+        </p:spPr>
+        <p:txBody>
+          <a:bodyPr spcFirstLastPara="1" wrap="square" lIns="68575" tIns="34275" rIns="68575" bIns="34275" anchor="t" anchorCtr="0">
+            <a:spAutoFit/>
+          </a:bodyPr>
+          <a:lstStyle/>
+          <a:p>
+            <a:pPr defTabSz="914378">
+              <a:buSzPts val="1800"/>
+              <a:defRPr/>
+            </a:pPr>
+            <a:r>
+              <a:rPr lang="en-US" altLang="ko" sz="1800" dirty="0">
+                <a:solidFill>
+                  <a:srgbClr val="0070C0"/>
+                </a:solidFill>
+                <a:latin typeface="프리젠테이션 7 Bold" pitchFamily="2" charset="-127"/>
+                <a:ea typeface="프리젠테이션 7 Bold" pitchFamily="2" charset="-127"/>
+                <a:cs typeface="Pretendard SemiBold" panose="02000703000000020004" pitchFamily="2" charset="-127"/>
+              </a:rPr>
+              <a:t>{{company}}</a:t>
+            </a:r>
+            <a:endParaRPr lang="ko-KR" altLang="en-US" sz="1800" dirty="0">
+              <a:latin typeface="프리젠테이션 7 Bold" pitchFamily="2" charset="-127"/>
+              <a:ea typeface="프리젠테이션 7 Bold" pitchFamily="2" charset="-127"/>
+              <a:cs typeface="Pretendard SemiBold" panose="02000703000000020004" pitchFamily="2" charset="-127"/>
+            </a:endParaRPr>
+          </a:p>
+        </p:txBody>
+      </p:sp>
+      <p:sp>
+        <p:nvSpPr>
+          <p:cNvPr id="4" name="Google Shape;318;p18">
+            <a:extLst>
+              <a:ext uri="{FF2B5EF4-FFF2-40B4-BE49-F238E27FC236}">
+                <a16:creationId xmlns:a16="http://schemas.microsoft.com/office/drawing/2014/main" id="{5B04E191-7E63-EB7F-3993-5256F718A2A2}"/>
+              </a:ext>
+            </a:extLst>
+          </p:cNvPr>
+          <p:cNvSpPr txBox="1"/>
+          <p:nvPr/>
+        </p:nvSpPr>
+        <p:spPr>
+          <a:xfrm>
+            <a:off x="427959" y="955844"/>
+            <a:ext cx="5893219" cy="207719"/>
+          </a:xfrm>
+          <a:prstGeom prst="rect">
+            <a:avLst/>
+          </a:prstGeom>
+          <a:noFill/>
+          <a:ln>
+            <a:noFill/>
+          </a:ln>
+        </p:spPr>
+        <p:txBody>
+          <a:bodyPr spcFirstLastPara="1" wrap="square" lIns="68575" tIns="34275" rIns="68575" bIns="34275" anchor="t" anchorCtr="0">
+            <a:spAutoFit/>
+          </a:bodyPr>
+          <a:lstStyle/>
+          <a:p>
+            <a:pPr defTabSz="914378">
+              <a:buSzPts val="1800"/>
+              <a:defRPr/>
+            </a:pPr>
+            <a:r>
+              <a:rPr lang="en-US" altLang="ko" sz="900" dirty="0">
+                <a:solidFill>
+                  <a:schemeClr val="bg1">
+                    <a:lumMod val="65000"/>
+                  </a:schemeClr>
+                </a:solidFill>
+                <a:latin typeface="프리젠테이션 5 Medium" pitchFamily="2" charset="-127"/>
+                <a:ea typeface="프리젠테이션 5 Medium" pitchFamily="2" charset="-127"/>
+                <a:cs typeface="Pretendard Medium" panose="02000603000000020004" pitchFamily="50" charset="-127"/>
+              </a:rPr>
+              <a:t>{{subtitle}}</a:t>
+            </a:r>
+            <a:endParaRPr sz="900" dirty="0">
+              <a:solidFill>
+                <a:schemeClr val="bg1">
+                  <a:lumMod val="65000"/>
+                </a:schemeClr>
+              </a:solidFill>
+              <a:latin typeface="프리젠테이션 5 Medium" pitchFamily="2" charset="-127"/>
+              <a:ea typeface="프리젠테이션 5 Medium" pitchFamily="2" charset="-127"/>
+              <a:cs typeface="Pretendard Medium" panose="02000603000000020004" pitchFamily="50" charset="-127"/>
+            </a:endParaRPr>
+          </a:p>
+        </p:txBody>
+      </p:sp>
+      <p:cxnSp>
+        <p:nvCxnSpPr>
+          <p:cNvPr id="5" name="직선 연결선 4">
+            <a:extLst>
+              <a:ext uri="{FF2B5EF4-FFF2-40B4-BE49-F238E27FC236}">
+                <a16:creationId xmlns:a16="http://schemas.microsoft.com/office/drawing/2014/main" id="{9FAB0485-51D6-6FB3-1702-E109A64F0A3D}"/>
+              </a:ext>
+            </a:extLst>
+          </p:cNvPr>
+          <p:cNvCxnSpPr/>
+          <p:nvPr/>
+        </p:nvCxnSpPr>
+        <p:spPr>
+          <a:xfrm>
+            <a:off x="396781" y="868542"/>
+            <a:ext cx="8394212" cy="0"/>
+          </a:xfrm>
+          <a:prstGeom prst="line">
+            <a:avLst/>
+          </a:prstGeom>
+          <a:ln w="12700">
+            <a:solidFill>
+              <a:schemeClr val="bg1">
+                <a:lumMod val="95000"/>
+              </a:schemeClr>
+            </a:solidFill>
+          </a:ln>
+        </p:spPr>
+        <p:style>
+          <a:lnRef idx="1">
+            <a:schemeClr val="accent1"/>
+          </a:lnRef>
+          <a:fillRef idx="0">
+            <a:schemeClr val="accent1"/>
+          </a:fillRef>
+          <a:effectRef idx="0">
+            <a:schemeClr val="accent1"/>
+          </a:effectRef>
+          <a:fontRef idx="minor">
+            <a:schemeClr val="tx1"/>
+          </a:fontRef>
+        </p:style>
+      </p:cxnSp>
+      <p:pic>
+        <p:nvPicPr>
+          <p:cNvPr id="6" name="그림 5">
+            <a:extLst>
+              <a:ext uri="{FF2B5EF4-FFF2-40B4-BE49-F238E27FC236}">
+                <a16:creationId xmlns:a16="http://schemas.microsoft.com/office/drawing/2014/main" id="{777AE44F-0425-98F3-115B-516804625CC7}"/>
+              </a:ext>
+            </a:extLst>
+          </p:cNvPr>
+          <p:cNvPicPr>
+            <a:picLocks noChangeAspect="1"/>
+          </p:cNvPicPr>
+          <p:nvPr/>
+        </p:nvPicPr>
+        <p:blipFill>
+          <a:blip r:embed="rId5"/>
+          <a:stretch>
+            <a:fillRect/>
+          </a:stretch>
+        </p:blipFill>
+        <p:spPr>
+          <a:xfrm>
+            <a:off x="376982" y="1005008"/>
+            <a:ext cx="103734" cy="103734"/>
+          </a:xfrm>
+          <a:prstGeom prst="rect">
+            <a:avLst/>
+          </a:prstGeom>
+        </p:spPr>
+      </p:pic>
+      <p:sp>
+        <p:nvSpPr>
+          <p:cNvPr id="11" name="사각형: 둥근 모서리 10">
+            <a:extLst>
+              <a:ext uri="{FF2B5EF4-FFF2-40B4-BE49-F238E27FC236}">
+                <a16:creationId xmlns:a16="http://schemas.microsoft.com/office/drawing/2014/main" id="{615C01FF-EA90-DEDC-1E94-31D60C006D42}"/>
               </a:ext>
             </a:extLst>
           </p:cNvPr>
@@ -16237,7 +16273,51 @@
                 <a:ea typeface="프리젠테이션 4 Regular" pitchFamily="2" charset="-127"/>
                 <a:cs typeface="Pretendard Medium" panose="02000603000000020004" pitchFamily="50" charset="-127"/>
               </a:rPr>
-              <a:t>{{period}} | </a:t>
+              <a:t>{{</a:t>
+            </a:r>
+            <a:r>
+              <a:rPr lang="en-US" altLang="ko-KR" sz="750" dirty="0" err="1">
+                <a:solidFill>
+                  <a:srgbClr val="000000"/>
+                </a:solidFill>
+                <a:latin typeface="프리젠테이션 4 Regular" pitchFamily="2" charset="-127"/>
+                <a:ea typeface="프리젠테이션 4 Regular" pitchFamily="2" charset="-127"/>
+                <a:cs typeface="Pretendard Medium" panose="02000603000000020004" pitchFamily="50" charset="-127"/>
+              </a:rPr>
+              <a:t>start_date</a:t>
+            </a:r>
+            <a:r>
+              <a:rPr lang="en-US" altLang="ko-KR" sz="750" dirty="0">
+                <a:solidFill>
+                  <a:srgbClr val="000000"/>
+                </a:solidFill>
+                <a:latin typeface="프리젠테이션 4 Regular" pitchFamily="2" charset="-127"/>
+                <a:ea typeface="프리젠테이션 4 Regular" pitchFamily="2" charset="-127"/>
+                <a:cs typeface="Pretendard Medium" panose="02000603000000020004" pitchFamily="50" charset="-127"/>
+              </a:rPr>
+              <a:t>}}-{{</a:t>
+            </a:r>
+            <a:r>
+              <a:rPr lang="en-US" altLang="ko-KR" sz="750" dirty="0" err="1">
+                <a:solidFill>
+                  <a:srgbClr val="000000"/>
+                </a:solidFill>
+                <a:latin typeface="프리젠테이션 4 Regular" pitchFamily="2" charset="-127"/>
+                <a:ea typeface="프리젠테이션 4 Regular" pitchFamily="2" charset="-127"/>
+                <a:cs typeface="Pretendard Medium" panose="02000603000000020004" pitchFamily="50" charset="-127"/>
+              </a:rPr>
+              <a:t>end_date</a:t>
+            </a:r>
+            <a:r>
+              <a:rPr lang="en-US" altLang="ko-KR" sz="750" dirty="0">
+                <a:solidFill>
+                  <a:srgbClr val="000000"/>
+                </a:solidFill>
+                <a:latin typeface="프리젠테이션 4 Regular" pitchFamily="2" charset="-127"/>
+                <a:ea typeface="프리젠테이션 4 Regular" pitchFamily="2" charset="-127"/>
+                <a:cs typeface="Pretendard Medium" panose="02000603000000020004" pitchFamily="50" charset="-127"/>
+              </a:rPr>
+              <a:t>}} | </a:t>
             </a:r>
             <a:r>
               <a:rPr lang="ko-KR" altLang="en-US" sz="750" dirty="0">
@@ -16268,6 +16348,63 @@
               <a:latin typeface="프리젠테이션 4 Regular" pitchFamily="2" charset="-127"/>
               <a:ea typeface="프리젠테이션 4 Regular" pitchFamily="2" charset="-127"/>
               <a:cs typeface="Pretendard Medium" panose="02000603000000020004" pitchFamily="50" charset="-127"/>
+            </a:endParaRPr>
+          </a:p>
+        </p:txBody>
+      </p:sp>
+      <p:sp>
+        <p:nvSpPr>
+          <p:cNvPr id="12" name="Google Shape;317;p18">
+            <a:extLst>
+              <a:ext uri="{FF2B5EF4-FFF2-40B4-BE49-F238E27FC236}">
+                <a16:creationId xmlns:a16="http://schemas.microsoft.com/office/drawing/2014/main" id="{8CA31C45-8763-F1DD-1285-E22DD74900D7}"/>
+              </a:ext>
+            </a:extLst>
+          </p:cNvPr>
+          <p:cNvSpPr txBox="1"/>
+          <p:nvPr/>
+        </p:nvSpPr>
+        <p:spPr>
+          <a:xfrm>
+            <a:off x="1734234" y="475915"/>
+            <a:ext cx="1507916" cy="346218"/>
+          </a:xfrm>
+          <a:prstGeom prst="rect">
+            <a:avLst/>
+          </a:prstGeom>
+          <a:noFill/>
+          <a:ln>
+            <a:noFill/>
+          </a:ln>
+        </p:spPr>
+        <p:txBody>
+          <a:bodyPr spcFirstLastPara="1" wrap="square" lIns="68575" tIns="34275" rIns="68575" bIns="34275" anchor="t" anchorCtr="0">
+            <a:spAutoFit/>
+          </a:bodyPr>
+          <a:lstStyle/>
+          <a:p>
+            <a:pPr defTabSz="914378">
+              <a:buSzPts val="1800"/>
+              <a:defRPr/>
+            </a:pPr>
+            <a:r>
+              <a:rPr lang="en-US" altLang="ko" sz="1800" dirty="0">
+                <a:solidFill>
+                  <a:schemeClr val="tx1"/>
+                </a:solidFill>
+                <a:latin typeface="프리젠테이션 7 Bold" pitchFamily="2" charset="-127"/>
+                <a:ea typeface="프리젠테이션 7 Bold" pitchFamily="2" charset="-127"/>
+                <a:cs typeface="Pretendard SemiBold" panose="02000703000000020004" pitchFamily="2" charset="-127"/>
+              </a:rPr>
+              <a:t>{{project}}</a:t>
+            </a:r>
+            <a:endParaRPr lang="ko-KR" altLang="en-US" sz="1800" dirty="0">
+              <a:solidFill>
+                <a:schemeClr val="tx1"/>
+              </a:solidFill>
+              <a:latin typeface="프리젠테이션 7 Bold" pitchFamily="2" charset="-127"/>
+              <a:ea typeface="프리젠테이션 7 Bold" pitchFamily="2" charset="-127"/>
+              <a:cs typeface="Pretendard SemiBold" panose="02000703000000020004" pitchFamily="2" charset="-127"/>
             </a:endParaRPr>
           </a:p>
         </p:txBody>
@@ -16359,7 +16496,7 @@
                 <a:cs typeface="Pretendard"/>
                 <a:sym typeface="Pretendard"/>
               </a:rPr>
-              <a:t>{{detail}}</a:t>
+              <a:t>{{details}}</a:t>
             </a:r>
             <a:endParaRPr lang="ko-KR" altLang="en-US" sz="800" dirty="0">
               <a:latin typeface="프리젠테이션 5 Medium" pitchFamily="2" charset="-127"/>
@@ -16385,7 +16522,7 @@
         <p:spPr>
           <a:xfrm>
             <a:off x="324289" y="4106291"/>
-            <a:ext cx="4590218" cy="624595"/>
+            <a:ext cx="4590218" cy="255070"/>
           </a:xfrm>
           <a:prstGeom prst="rect">
             <a:avLst/>
@@ -16425,12 +16562,12 @@
             </a:lvl1pPr>
           </a:lstStyle>
           <a:p>
-            <a:pPr marL="87317" indent="-87317" defTabSz="914447" hangingPunct="0">
+            <a:pPr marL="128588" indent="-128588" defTabSz="914424" hangingPunct="0">
               <a:lnSpc>
                 <a:spcPct val="150000"/>
               </a:lnSpc>
               <a:buSzPts val="1000"/>
-              <a:buFont typeface="Arial"/>
+              <a:buFont typeface="Arial" panose="020B0604020202020204" pitchFamily="34" charset="0"/>
               <a:buChar char="•"/>
               <a:defRPr sz="1000">
                 <a:latin typeface="Pretendard"/>
@@ -16440,315 +16577,20 @@
               </a:defRPr>
             </a:pPr>
             <a:r>
-              <a:rPr lang="ko-KR" altLang="en-US" sz="800" dirty="0">
-                <a:latin typeface="프리젠테이션 4 Regular" pitchFamily="2" charset="-127"/>
-                <a:ea typeface="프리젠테이션 4 Regular" pitchFamily="2" charset="-127"/>
+              <a:rPr lang="en-US" altLang="ko-KR" sz="800">
+                <a:latin typeface="프리젠테이션 5 Medium" pitchFamily="2" charset="-127"/>
+                <a:ea typeface="프리젠테이션 5 Medium" pitchFamily="2" charset="-127"/>
                 <a:cs typeface="Pretendard"/>
                 <a:sym typeface="Pretendard"/>
               </a:rPr>
-              <a:t>매출 </a:t>
-            </a:r>
-            <a:r>
-              <a:rPr lang="en-US" altLang="ko-KR" sz="800" dirty="0">
-                <a:latin typeface="프리젠테이션 4 Regular" pitchFamily="2" charset="-127"/>
-                <a:ea typeface="프리젠테이션 4 Regular" pitchFamily="2" charset="-127"/>
-                <a:cs typeface="Pretendard"/>
-                <a:sym typeface="Pretendard"/>
-              </a:rPr>
-              <a:t>KPI </a:t>
-            </a:r>
-            <a:r>
-              <a:rPr lang="ko-KR" altLang="en-US" sz="800" dirty="0">
-                <a:latin typeface="프리젠테이션 4 Regular" pitchFamily="2" charset="-127"/>
-                <a:ea typeface="프리젠테이션 4 Regular" pitchFamily="2" charset="-127"/>
-                <a:cs typeface="Pretendard"/>
-                <a:sym typeface="Pretendard"/>
-              </a:rPr>
-              <a:t>대비 </a:t>
-            </a:r>
-            <a:r>
-              <a:rPr lang="en-US" altLang="ko-KR" sz="800" dirty="0">
-                <a:latin typeface="프리젠테이션 4 Regular" pitchFamily="2" charset="-127"/>
-                <a:ea typeface="프리젠테이션 4 Regular" pitchFamily="2" charset="-127"/>
-                <a:cs typeface="Pretendard"/>
-                <a:sym typeface="Pretendard"/>
-              </a:rPr>
-              <a:t>150% </a:t>
-            </a:r>
-            <a:r>
-              <a:rPr lang="ko-KR" altLang="en-US" sz="800" dirty="0">
-                <a:latin typeface="프리젠테이션 4 Regular" pitchFamily="2" charset="-127"/>
-                <a:ea typeface="프리젠테이션 4 Regular" pitchFamily="2" charset="-127"/>
-                <a:cs typeface="Pretendard"/>
-                <a:sym typeface="Pretendard"/>
-              </a:rPr>
-              <a:t>상회하는 기록 </a:t>
-            </a:r>
-            <a:r>
-              <a:rPr lang="en-US" altLang="ko-KR" sz="800" dirty="0">
-                <a:latin typeface="프리젠테이션 4 Regular" pitchFamily="2" charset="-127"/>
-                <a:ea typeface="프리젠테이션 4 Regular" pitchFamily="2" charset="-127"/>
-                <a:cs typeface="Pretendard"/>
-                <a:sym typeface="Pretendard"/>
-              </a:rPr>
-              <a:t>(</a:t>
-            </a:r>
-            <a:r>
-              <a:rPr lang="ko-KR" altLang="en-US" sz="800" dirty="0">
-                <a:latin typeface="프리젠테이션 4 Regular" pitchFamily="2" charset="-127"/>
-                <a:ea typeface="프리젠테이션 4 Regular" pitchFamily="2" charset="-127"/>
-                <a:cs typeface="Pretendard"/>
-                <a:sym typeface="Pretendard"/>
-              </a:rPr>
-              <a:t>캠페인 기간 중</a:t>
-            </a:r>
-            <a:r>
-              <a:rPr lang="en-US" altLang="ko-KR" sz="800" dirty="0">
-                <a:latin typeface="프리젠테이션 4 Regular" pitchFamily="2" charset="-127"/>
-                <a:ea typeface="프리젠테이션 4 Regular" pitchFamily="2" charset="-127"/>
-                <a:cs typeface="Pretendard"/>
-                <a:sym typeface="Pretendard"/>
-              </a:rPr>
-              <a:t>, </a:t>
-            </a:r>
-            <a:r>
-              <a:rPr lang="ko-KR" altLang="en-US" sz="800" dirty="0" err="1">
-                <a:latin typeface="프리젠테이션 4 Regular" pitchFamily="2" charset="-127"/>
-                <a:ea typeface="프리젠테이션 4 Regular" pitchFamily="2" charset="-127"/>
-                <a:cs typeface="Pretendard"/>
-                <a:sym typeface="Pretendard"/>
-              </a:rPr>
-              <a:t>ㅇㅇ플랫폼</a:t>
-            </a:r>
-            <a:r>
-              <a:rPr lang="en-US" altLang="ko-KR" sz="800" dirty="0">
-                <a:latin typeface="프리젠테이션 4 Regular" pitchFamily="2" charset="-127"/>
-                <a:ea typeface="프리젠테이션 4 Regular" pitchFamily="2" charset="-127"/>
-                <a:cs typeface="Pretendard"/>
-                <a:sym typeface="Pretendard"/>
-              </a:rPr>
-              <a:t>1</a:t>
-            </a:r>
-            <a:r>
-              <a:rPr lang="ko-KR" altLang="en-US" sz="800" dirty="0">
-                <a:latin typeface="프리젠테이션 4 Regular" pitchFamily="2" charset="-127"/>
-                <a:ea typeface="프리젠테이션 4 Regular" pitchFamily="2" charset="-127"/>
-                <a:cs typeface="Pretendard"/>
-                <a:sym typeface="Pretendard"/>
-              </a:rPr>
-              <a:t>위 기록</a:t>
-            </a:r>
-            <a:r>
-              <a:rPr lang="en-US" altLang="ko-KR" sz="800" dirty="0">
-                <a:latin typeface="프리젠테이션 4 Regular" pitchFamily="2" charset="-127"/>
-                <a:ea typeface="프리젠테이션 4 Regular" pitchFamily="2" charset="-127"/>
-                <a:cs typeface="Pretendard"/>
-                <a:sym typeface="Pretendard"/>
-              </a:rPr>
-              <a:t>)</a:t>
-            </a:r>
-            <a:endParaRPr lang="ko-KR" altLang="en-US" sz="800" dirty="0">
-              <a:latin typeface="프리젠테이션 4 Regular" pitchFamily="2" charset="-127"/>
-              <a:ea typeface="프리젠테이션 4 Regular" pitchFamily="2" charset="-127"/>
+              <a:t>{{results}}</a:t>
+            </a:r>
+            <a:endParaRPr lang="en-US" altLang="ko-KR" sz="800" dirty="0">
+              <a:latin typeface="프리젠테이션 5 Medium" pitchFamily="2" charset="-127"/>
+              <a:ea typeface="프리젠테이션 5 Medium" pitchFamily="2" charset="-127"/>
+              <a:cs typeface="Pretendard"/>
+              <a:sym typeface="Pretendard"/>
             </a:endParaRPr>
-          </a:p>
-          <a:p>
-            <a:pPr marL="87317" indent="-87317" defTabSz="914447" hangingPunct="0">
-              <a:lnSpc>
-                <a:spcPct val="150000"/>
-              </a:lnSpc>
-              <a:buSzPts val="1000"/>
-              <a:buFont typeface="Arial"/>
-              <a:buChar char="•"/>
-              <a:defRPr sz="1000">
-                <a:latin typeface="Pretendard"/>
-                <a:ea typeface="Pretendard"/>
-                <a:cs typeface="Pretendard"/>
-                <a:sym typeface="Pretendard"/>
-              </a:defRPr>
-            </a:pPr>
-            <a:r>
-              <a:rPr lang="ko-KR" altLang="en-US" sz="800" dirty="0">
-                <a:latin typeface="프리젠테이션 4 Regular" pitchFamily="2" charset="-127"/>
-                <a:ea typeface="프리젠테이션 4 Regular" pitchFamily="2" charset="-127"/>
-                <a:cs typeface="Pretendard"/>
-                <a:sym typeface="Pretendard"/>
-              </a:rPr>
-              <a:t>‘브랜드 핵심 키워드’  네이버 쿼리 </a:t>
-            </a:r>
-            <a:r>
-              <a:rPr lang="en-US" altLang="ko-KR" sz="800" dirty="0">
-                <a:latin typeface="프리젠테이션 4 Regular" pitchFamily="2" charset="-127"/>
-                <a:ea typeface="프리젠테이션 4 Regular" pitchFamily="2" charset="-127"/>
-                <a:cs typeface="Pretendard"/>
-                <a:sym typeface="Pretendard"/>
-              </a:rPr>
-              <a:t>134% / </a:t>
-            </a:r>
-            <a:r>
-              <a:rPr lang="ko-KR" altLang="en-US" sz="800" dirty="0">
-                <a:latin typeface="프리젠테이션 4 Regular" pitchFamily="2" charset="-127"/>
-                <a:ea typeface="프리젠테이션 4 Regular" pitchFamily="2" charset="-127"/>
-                <a:cs typeface="Pretendard"/>
-                <a:sym typeface="Pretendard"/>
-              </a:rPr>
-              <a:t>구글 쿼리 </a:t>
-            </a:r>
-            <a:r>
-              <a:rPr lang="en-US" altLang="ko-KR" sz="800" dirty="0">
-                <a:latin typeface="프리젠테이션 4 Regular" pitchFamily="2" charset="-127"/>
-                <a:ea typeface="프리젠테이션 4 Regular" pitchFamily="2" charset="-127"/>
-                <a:cs typeface="Pretendard"/>
-                <a:sym typeface="Pretendard"/>
-              </a:rPr>
-              <a:t>122% </a:t>
-            </a:r>
-            <a:r>
-              <a:rPr lang="ko-KR" altLang="en-US" sz="800" dirty="0">
-                <a:latin typeface="프리젠테이션 4 Regular" pitchFamily="2" charset="-127"/>
-                <a:ea typeface="프리젠테이션 4 Regular" pitchFamily="2" charset="-127"/>
-                <a:cs typeface="Pretendard"/>
-                <a:sym typeface="Pretendard"/>
-              </a:rPr>
-              <a:t>상승</a:t>
-            </a:r>
-            <a:endParaRPr lang="ko-KR" altLang="en-US" sz="800" dirty="0">
-              <a:latin typeface="프리젠테이션 4 Regular" pitchFamily="2" charset="-127"/>
-              <a:ea typeface="프리젠테이션 4 Regular" pitchFamily="2" charset="-127"/>
-            </a:endParaRPr>
-          </a:p>
-          <a:p>
-            <a:pPr marL="87317" indent="-87317" defTabSz="914447" hangingPunct="0">
-              <a:lnSpc>
-                <a:spcPct val="150000"/>
-              </a:lnSpc>
-              <a:buSzPts val="1000"/>
-              <a:buFont typeface="Arial"/>
-              <a:buChar char="•"/>
-              <a:defRPr sz="1000">
-                <a:latin typeface="Pretendard"/>
-                <a:ea typeface="Pretendard"/>
-                <a:cs typeface="Pretendard"/>
-                <a:sym typeface="Pretendard"/>
-              </a:defRPr>
-            </a:pPr>
-            <a:r>
-              <a:rPr lang="ko-KR" altLang="en-US" sz="800" dirty="0">
-                <a:latin typeface="프리젠테이션 4 Regular" pitchFamily="2" charset="-127"/>
-                <a:ea typeface="프리젠테이션 4 Regular" pitchFamily="2" charset="-127"/>
-                <a:cs typeface="Pretendard"/>
-                <a:sym typeface="Pretendard"/>
-              </a:rPr>
-              <a:t>캠페인 영상 </a:t>
-            </a:r>
-            <a:r>
-              <a:rPr lang="en-US" altLang="ko-KR" sz="800" dirty="0">
-                <a:latin typeface="프리젠테이션 4 Regular" pitchFamily="2" charset="-127"/>
-                <a:ea typeface="프리젠테이션 4 Regular" pitchFamily="2" charset="-127"/>
-                <a:cs typeface="Pretendard"/>
-                <a:sym typeface="Pretendard"/>
-              </a:rPr>
-              <a:t>KPI(</a:t>
-            </a:r>
-            <a:r>
-              <a:rPr lang="ko-KR" altLang="en-US" sz="800" dirty="0">
-                <a:latin typeface="프리젠테이션 4 Regular" pitchFamily="2" charset="-127"/>
-                <a:ea typeface="프리젠테이션 4 Regular" pitchFamily="2" charset="-127"/>
-                <a:cs typeface="Pretendard"/>
-                <a:sym typeface="Pretendard"/>
-              </a:rPr>
-              <a:t>유입</a:t>
-            </a:r>
-            <a:r>
-              <a:rPr lang="en-US" altLang="ko-KR" sz="800" dirty="0">
-                <a:latin typeface="프리젠테이션 4 Regular" pitchFamily="2" charset="-127"/>
-                <a:ea typeface="프리젠테이션 4 Regular" pitchFamily="2" charset="-127"/>
-                <a:cs typeface="Pretendard"/>
-                <a:sym typeface="Pretendard"/>
-              </a:rPr>
-              <a:t>)</a:t>
-            </a:r>
-            <a:r>
-              <a:rPr lang="ko-KR" altLang="en-US" sz="800" dirty="0">
-                <a:latin typeface="프리젠테이션 4 Regular" pitchFamily="2" charset="-127"/>
-                <a:ea typeface="프리젠테이션 4 Regular" pitchFamily="2" charset="-127"/>
-                <a:cs typeface="Pretendard"/>
-                <a:sym typeface="Pretendard"/>
-              </a:rPr>
-              <a:t>대비 </a:t>
-            </a:r>
-            <a:r>
-              <a:rPr lang="en-US" altLang="ko-KR" sz="800" dirty="0">
-                <a:latin typeface="프리젠테이션 4 Regular" pitchFamily="2" charset="-127"/>
-                <a:ea typeface="프리젠테이션 4 Regular" pitchFamily="2" charset="-127"/>
-                <a:cs typeface="Pretendard"/>
-                <a:sym typeface="Pretendard"/>
-              </a:rPr>
-              <a:t>34%</a:t>
-            </a:r>
-            <a:r>
-              <a:rPr lang="ko-KR" altLang="en-US" sz="800" dirty="0">
-                <a:latin typeface="프리젠테이션 4 Regular" pitchFamily="2" charset="-127"/>
-                <a:ea typeface="프리젠테이션 4 Regular" pitchFamily="2" charset="-127"/>
-                <a:cs typeface="Pretendard"/>
-                <a:sym typeface="Pretendard"/>
-              </a:rPr>
-              <a:t>초과 달성 </a:t>
-            </a:r>
-            <a:r>
-              <a:rPr lang="en-US" altLang="ko-KR" sz="800" dirty="0">
-                <a:latin typeface="프리젠테이션 4 Regular" pitchFamily="2" charset="-127"/>
-                <a:ea typeface="프리젠테이션 4 Regular" pitchFamily="2" charset="-127"/>
-                <a:cs typeface="Pretendard"/>
-                <a:sym typeface="Pretendard"/>
-              </a:rPr>
-              <a:t>: Imp. 9</a:t>
-            </a:r>
-            <a:r>
-              <a:rPr lang="ko-KR" altLang="en-US" sz="800" dirty="0">
-                <a:latin typeface="프리젠테이션 4 Regular" pitchFamily="2" charset="-127"/>
-                <a:ea typeface="프리젠테이션 4 Regular" pitchFamily="2" charset="-127"/>
-                <a:cs typeface="Pretendard"/>
-                <a:sym typeface="Pretendard"/>
-              </a:rPr>
-              <a:t>천만 </a:t>
-            </a:r>
-            <a:r>
-              <a:rPr lang="en-US" altLang="ko-KR" sz="800" dirty="0">
-                <a:latin typeface="프리젠테이션 4 Regular" pitchFamily="2" charset="-127"/>
-                <a:ea typeface="프리젠테이션 4 Regular" pitchFamily="2" charset="-127"/>
-                <a:cs typeface="Pretendard"/>
-                <a:sym typeface="Pretendard"/>
-              </a:rPr>
-              <a:t>/ Click 94</a:t>
-            </a:r>
-            <a:r>
-              <a:rPr lang="ko-KR" altLang="en-US" sz="800" dirty="0">
-                <a:latin typeface="프리젠테이션 4 Regular" pitchFamily="2" charset="-127"/>
-                <a:ea typeface="프리젠테이션 4 Regular" pitchFamily="2" charset="-127"/>
-                <a:cs typeface="Pretendard"/>
-                <a:sym typeface="Pretendard"/>
-              </a:rPr>
-              <a:t>만 </a:t>
-            </a:r>
-            <a:r>
-              <a:rPr lang="en-US" altLang="ko-KR" sz="800" dirty="0">
-                <a:latin typeface="프리젠테이션 4 Regular" pitchFamily="2" charset="-127"/>
-                <a:ea typeface="프리젠테이션 4 Regular" pitchFamily="2" charset="-127"/>
-                <a:cs typeface="Pretendard"/>
-                <a:sym typeface="Pretendard"/>
-              </a:rPr>
-              <a:t>/ View 9</a:t>
-            </a:r>
-            <a:r>
-              <a:rPr lang="ko-KR" altLang="en-US" sz="800" dirty="0">
-                <a:latin typeface="프리젠테이션 4 Regular" pitchFamily="2" charset="-127"/>
-                <a:ea typeface="프리젠테이션 4 Regular" pitchFamily="2" charset="-127"/>
-                <a:cs typeface="Pretendard"/>
-                <a:sym typeface="Pretendard"/>
-              </a:rPr>
-              <a:t>백만 기록</a:t>
-            </a:r>
           </a:p>
         </p:txBody>
       </p:sp>
@@ -17047,49 +16889,6 @@
           </a:p>
         </p:txBody>
       </p:sp>
-      <p:cxnSp>
-        <p:nvCxnSpPr>
-          <p:cNvPr id="15" name="직선 연결선 14">
-            <a:extLst>
-              <a:ext uri="{FF2B5EF4-FFF2-40B4-BE49-F238E27FC236}">
-                <a16:creationId xmlns:a16="http://schemas.microsoft.com/office/drawing/2014/main" id="{7EE8E3E2-2384-0DC3-0AAD-15A6C9376E84}"/>
-              </a:ext>
-            </a:extLst>
-          </p:cNvPr>
-          <p:cNvCxnSpPr/>
-          <p:nvPr/>
-        </p:nvCxnSpPr>
-        <p:spPr>
-          <a:xfrm>
-            <a:off x="396781" y="868542"/>
-            <a:ext cx="8394212" cy="0"/>
-          </a:xfrm>
-          <a:prstGeom prst="line">
-            <a:avLst/>
-          </a:prstGeom>
-          <a:ln w="12700">
-            <a:solidFill>
-              <a:schemeClr val="bg1">
-                <a:lumMod val="95000"/>
-              </a:schemeClr>
-            </a:solidFill>
-          </a:ln>
-        </p:spPr>
-        <p:style>
-          <a:lnRef idx="1">
-            <a:schemeClr val="accent1"/>
-          </a:lnRef>
-          <a:fillRef idx="0">
-            <a:schemeClr val="accent1"/>
-          </a:fillRef>
-          <a:effectRef idx="0">
-            <a:schemeClr val="accent1"/>
-          </a:effectRef>
-          <a:fontRef idx="minor">
-            <a:schemeClr val="tx1"/>
-          </a:fontRef>
-        </p:style>
-      </p:cxnSp>
       <p:pic>
         <p:nvPicPr>
           <p:cNvPr id="21" name="그림 20">
@@ -17691,10 +17490,10 @@
       </p:pic>
       <p:sp>
         <p:nvSpPr>
-          <p:cNvPr id="2" name="Google Shape;317;p18">
+          <p:cNvPr id="8" name="Google Shape;317;p18">
             <a:extLst>
               <a:ext uri="{FF2B5EF4-FFF2-40B4-BE49-F238E27FC236}">
-                <a16:creationId xmlns:a16="http://schemas.microsoft.com/office/drawing/2014/main" id="{CDF44C58-36DC-3350-9243-BB9E30FC7770}"/>
+                <a16:creationId xmlns:a16="http://schemas.microsoft.com/office/drawing/2014/main" id="{F9BCB82C-9DE5-68E9-0163-752D2453D4A0}"/>
               </a:ext>
             </a:extLst>
           </p:cNvPr>
@@ -17745,10 +17544,10 @@
       </p:sp>
       <p:sp>
         <p:nvSpPr>
-          <p:cNvPr id="3" name="Google Shape;318;p18">
+          <p:cNvPr id="9" name="Google Shape;318;p18">
             <a:extLst>
               <a:ext uri="{FF2B5EF4-FFF2-40B4-BE49-F238E27FC236}">
-                <a16:creationId xmlns:a16="http://schemas.microsoft.com/office/drawing/2014/main" id="{E74D150D-E985-894B-713E-7746A7ABF351}"/>
+                <a16:creationId xmlns:a16="http://schemas.microsoft.com/office/drawing/2014/main" id="{BEB4C48C-FA82-50D8-3160-FE8162A4F965}"/>
               </a:ext>
             </a:extLst>
           </p:cNvPr>
@@ -17804,12 +17603,55 @@
           </a:p>
         </p:txBody>
       </p:sp>
+      <p:cxnSp>
+        <p:nvCxnSpPr>
+          <p:cNvPr id="12" name="직선 연결선 11">
+            <a:extLst>
+              <a:ext uri="{FF2B5EF4-FFF2-40B4-BE49-F238E27FC236}">
+                <a16:creationId xmlns:a16="http://schemas.microsoft.com/office/drawing/2014/main" id="{56C064AD-C083-AE83-8626-AEDAE2CF65A2}"/>
+              </a:ext>
+            </a:extLst>
+          </p:cNvPr>
+          <p:cNvCxnSpPr/>
+          <p:nvPr/>
+        </p:nvCxnSpPr>
+        <p:spPr>
+          <a:xfrm>
+            <a:off x="396781" y="868542"/>
+            <a:ext cx="8394212" cy="0"/>
+          </a:xfrm>
+          <a:prstGeom prst="line">
+            <a:avLst/>
+          </a:prstGeom>
+          <a:ln w="12700">
+            <a:solidFill>
+              <a:schemeClr val="bg1">
+                <a:lumMod val="95000"/>
+              </a:schemeClr>
+            </a:solidFill>
+          </a:ln>
+        </p:spPr>
+        <p:style>
+          <a:lnRef idx="1">
+            <a:schemeClr val="accent1"/>
+          </a:lnRef>
+          <a:fillRef idx="0">
+            <a:schemeClr val="accent1"/>
+          </a:fillRef>
+          <a:effectRef idx="0">
+            <a:schemeClr val="accent1"/>
+          </a:effectRef>
+          <a:fontRef idx="minor">
+            <a:schemeClr val="tx1"/>
+          </a:fontRef>
+        </p:style>
+      </p:cxnSp>
       <p:pic>
         <p:nvPicPr>
-          <p:cNvPr id="4" name="그림 3">
+          <p:cNvPr id="13" name="그림 12">
             <a:extLst>
               <a:ext uri="{FF2B5EF4-FFF2-40B4-BE49-F238E27FC236}">
-                <a16:creationId xmlns:a16="http://schemas.microsoft.com/office/drawing/2014/main" id="{91C2BC9D-8093-1DB2-CCD5-1CDD54AFE3EA}"/>
+                <a16:creationId xmlns:a16="http://schemas.microsoft.com/office/drawing/2014/main" id="{B7EF505C-A13D-2C1E-BD1D-612C714CDFD6}"/>
               </a:ext>
             </a:extLst>
           </p:cNvPr>
@@ -17836,67 +17678,10 @@
       </p:pic>
       <p:sp>
         <p:nvSpPr>
-          <p:cNvPr id="6" name="Google Shape;317;p18">
+          <p:cNvPr id="14" name="사각형: 둥근 모서리 13">
             <a:extLst>
               <a:ext uri="{FF2B5EF4-FFF2-40B4-BE49-F238E27FC236}">
-                <a16:creationId xmlns:a16="http://schemas.microsoft.com/office/drawing/2014/main" id="{AD717AB3-CA63-6CFF-F00A-A3FE48E47F8A}"/>
-              </a:ext>
-            </a:extLst>
-          </p:cNvPr>
-          <p:cNvSpPr txBox="1"/>
-          <p:nvPr/>
-        </p:nvSpPr>
-        <p:spPr>
-          <a:xfrm>
-            <a:off x="1734234" y="475915"/>
-            <a:ext cx="1507916" cy="346218"/>
-          </a:xfrm>
-          <a:prstGeom prst="rect">
-            <a:avLst/>
-          </a:prstGeom>
-          <a:noFill/>
-          <a:ln>
-            <a:noFill/>
-          </a:ln>
-        </p:spPr>
-        <p:txBody>
-          <a:bodyPr spcFirstLastPara="1" wrap="square" lIns="68575" tIns="34275" rIns="68575" bIns="34275" anchor="t" anchorCtr="0">
-            <a:spAutoFit/>
-          </a:bodyPr>
-          <a:lstStyle/>
-          <a:p>
-            <a:pPr defTabSz="914378">
-              <a:buSzPts val="1800"/>
-              <a:defRPr/>
-            </a:pPr>
-            <a:r>
-              <a:rPr lang="en-US" altLang="ko" sz="1800" dirty="0">
-                <a:solidFill>
-                  <a:schemeClr val="tx1"/>
-                </a:solidFill>
-                <a:latin typeface="프리젠테이션 7 Bold" pitchFamily="2" charset="-127"/>
-                <a:ea typeface="프리젠테이션 7 Bold" pitchFamily="2" charset="-127"/>
-                <a:cs typeface="Pretendard SemiBold" panose="02000703000000020004" pitchFamily="2" charset="-127"/>
-              </a:rPr>
-              <a:t>{{title}}</a:t>
-            </a:r>
-            <a:endParaRPr lang="ko-KR" altLang="en-US" sz="1800" dirty="0">
-              <a:solidFill>
-                <a:schemeClr val="tx1"/>
-              </a:solidFill>
-              <a:latin typeface="프리젠테이션 7 Bold" pitchFamily="2" charset="-127"/>
-              <a:ea typeface="프리젠테이션 7 Bold" pitchFamily="2" charset="-127"/>
-              <a:cs typeface="Pretendard SemiBold" panose="02000703000000020004" pitchFamily="2" charset="-127"/>
-            </a:endParaRPr>
-          </a:p>
-        </p:txBody>
-      </p:sp>
-      <p:sp>
-        <p:nvSpPr>
-          <p:cNvPr id="7" name="사각형: 둥근 모서리 6">
-            <a:extLst>
-              <a:ext uri="{FF2B5EF4-FFF2-40B4-BE49-F238E27FC236}">
-                <a16:creationId xmlns:a16="http://schemas.microsoft.com/office/drawing/2014/main" id="{C701E2F7-2243-7746-A791-A3321C5C3EEB}"/>
+                <a16:creationId xmlns:a16="http://schemas.microsoft.com/office/drawing/2014/main" id="{3C92ABB1-0B4D-4F2E-FEDD-289A3E54C597}"/>
               </a:ext>
             </a:extLst>
           </p:cNvPr>
@@ -17952,7 +17737,51 @@
                 <a:ea typeface="프리젠테이션 4 Regular" pitchFamily="2" charset="-127"/>
                 <a:cs typeface="Pretendard Medium" panose="02000603000000020004" pitchFamily="50" charset="-127"/>
               </a:rPr>
-              <a:t>{{period}} | </a:t>
+              <a:t>{{</a:t>
+            </a:r>
+            <a:r>
+              <a:rPr lang="en-US" altLang="ko-KR" sz="750" dirty="0" err="1">
+                <a:solidFill>
+                  <a:srgbClr val="000000"/>
+                </a:solidFill>
+                <a:latin typeface="프리젠테이션 4 Regular" pitchFamily="2" charset="-127"/>
+                <a:ea typeface="프리젠테이션 4 Regular" pitchFamily="2" charset="-127"/>
+                <a:cs typeface="Pretendard Medium" panose="02000603000000020004" pitchFamily="50" charset="-127"/>
+              </a:rPr>
+              <a:t>start_date</a:t>
+            </a:r>
+            <a:r>
+              <a:rPr lang="en-US" altLang="ko-KR" sz="750" dirty="0">
+                <a:solidFill>
+                  <a:srgbClr val="000000"/>
+                </a:solidFill>
+                <a:latin typeface="프리젠테이션 4 Regular" pitchFamily="2" charset="-127"/>
+                <a:ea typeface="프리젠테이션 4 Regular" pitchFamily="2" charset="-127"/>
+                <a:cs typeface="Pretendard Medium" panose="02000603000000020004" pitchFamily="50" charset="-127"/>
+              </a:rPr>
+              <a:t>}}-{{</a:t>
+            </a:r>
+            <a:r>
+              <a:rPr lang="en-US" altLang="ko-KR" sz="750" dirty="0" err="1">
+                <a:solidFill>
+                  <a:srgbClr val="000000"/>
+                </a:solidFill>
+                <a:latin typeface="프리젠테이션 4 Regular" pitchFamily="2" charset="-127"/>
+                <a:ea typeface="프리젠테이션 4 Regular" pitchFamily="2" charset="-127"/>
+                <a:cs typeface="Pretendard Medium" panose="02000603000000020004" pitchFamily="50" charset="-127"/>
+              </a:rPr>
+              <a:t>end_date</a:t>
+            </a:r>
+            <a:r>
+              <a:rPr lang="en-US" altLang="ko-KR" sz="750" dirty="0">
+                <a:solidFill>
+                  <a:srgbClr val="000000"/>
+                </a:solidFill>
+                <a:latin typeface="프리젠테이션 4 Regular" pitchFamily="2" charset="-127"/>
+                <a:ea typeface="프리젠테이션 4 Regular" pitchFamily="2" charset="-127"/>
+                <a:cs typeface="Pretendard Medium" panose="02000603000000020004" pitchFamily="50" charset="-127"/>
+              </a:rPr>
+              <a:t>}} | </a:t>
             </a:r>
             <a:r>
               <a:rPr lang="ko-KR" altLang="en-US" sz="750" dirty="0">
@@ -17983,6 +17812,63 @@
               <a:latin typeface="프리젠테이션 4 Regular" pitchFamily="2" charset="-127"/>
               <a:ea typeface="프리젠테이션 4 Regular" pitchFamily="2" charset="-127"/>
               <a:cs typeface="Pretendard Medium" panose="02000603000000020004" pitchFamily="50" charset="-127"/>
+            </a:endParaRPr>
+          </a:p>
+        </p:txBody>
+      </p:sp>
+      <p:sp>
+        <p:nvSpPr>
+          <p:cNvPr id="16" name="Google Shape;317;p18">
+            <a:extLst>
+              <a:ext uri="{FF2B5EF4-FFF2-40B4-BE49-F238E27FC236}">
+                <a16:creationId xmlns:a16="http://schemas.microsoft.com/office/drawing/2014/main" id="{8A8E38D2-5429-E825-24D4-8BB458255D68}"/>
+              </a:ext>
+            </a:extLst>
+          </p:cNvPr>
+          <p:cNvSpPr txBox="1"/>
+          <p:nvPr/>
+        </p:nvSpPr>
+        <p:spPr>
+          <a:xfrm>
+            <a:off x="1734234" y="475915"/>
+            <a:ext cx="1507916" cy="346218"/>
+          </a:xfrm>
+          <a:prstGeom prst="rect">
+            <a:avLst/>
+          </a:prstGeom>
+          <a:noFill/>
+          <a:ln>
+            <a:noFill/>
+          </a:ln>
+        </p:spPr>
+        <p:txBody>
+          <a:bodyPr spcFirstLastPara="1" wrap="square" lIns="68575" tIns="34275" rIns="68575" bIns="34275" anchor="t" anchorCtr="0">
+            <a:spAutoFit/>
+          </a:bodyPr>
+          <a:lstStyle/>
+          <a:p>
+            <a:pPr defTabSz="914378">
+              <a:buSzPts val="1800"/>
+              <a:defRPr/>
+            </a:pPr>
+            <a:r>
+              <a:rPr lang="en-US" altLang="ko" sz="1800" dirty="0">
+                <a:solidFill>
+                  <a:schemeClr val="tx1"/>
+                </a:solidFill>
+                <a:latin typeface="프리젠테이션 7 Bold" pitchFamily="2" charset="-127"/>
+                <a:ea typeface="프리젠테이션 7 Bold" pitchFamily="2" charset="-127"/>
+                <a:cs typeface="Pretendard SemiBold" panose="02000703000000020004" pitchFamily="2" charset="-127"/>
+              </a:rPr>
+              <a:t>{{project}}</a:t>
+            </a:r>
+            <a:endParaRPr lang="ko-KR" altLang="en-US" sz="1800" dirty="0">
+              <a:solidFill>
+                <a:schemeClr val="tx1"/>
+              </a:solidFill>
+              <a:latin typeface="프리젠테이션 7 Bold" pitchFamily="2" charset="-127"/>
+              <a:ea typeface="프리젠테이션 7 Bold" pitchFamily="2" charset="-127"/>
+              <a:cs typeface="Pretendard SemiBold" panose="02000703000000020004" pitchFamily="2" charset="-127"/>
             </a:endParaRPr>
           </a:p>
         </p:txBody>
@@ -18279,7 +18165,7 @@
                 <a:cs typeface="Pretendard"/>
                 <a:sym typeface="Pretendard"/>
               </a:rPr>
-              <a:t>{{detail}}</a:t>
+              <a:t>{{details}}</a:t>
             </a:r>
             <a:endParaRPr lang="ko-KR" altLang="en-US" sz="800" dirty="0">
               <a:latin typeface="프리젠테이션 5 Medium" pitchFamily="2" charset="-127"/>
@@ -18346,7 +18232,7 @@
                 <a:cs typeface="Pretendard"/>
                 <a:sym typeface="Pretendard"/>
               </a:rPr>
-              <a:t>{{result}}</a:t>
+              <a:t>{{results}}</a:t>
             </a:r>
             <a:endParaRPr lang="ko-KR" altLang="en-US" sz="700" dirty="0">
               <a:latin typeface="프리젠테이션 4 Regular" pitchFamily="2" charset="-127"/>
@@ -19407,49 +19293,6 @@
           </a:p>
         </p:txBody>
       </p:sp>
-      <p:cxnSp>
-        <p:nvCxnSpPr>
-          <p:cNvPr id="9" name="직선 연결선 8">
-            <a:extLst>
-              <a:ext uri="{FF2B5EF4-FFF2-40B4-BE49-F238E27FC236}">
-                <a16:creationId xmlns:a16="http://schemas.microsoft.com/office/drawing/2014/main" id="{73AC6BBD-039B-D20D-FE75-671919398BF0}"/>
-              </a:ext>
-            </a:extLst>
-          </p:cNvPr>
-          <p:cNvCxnSpPr/>
-          <p:nvPr/>
-        </p:nvCxnSpPr>
-        <p:spPr>
-          <a:xfrm>
-            <a:off x="396781" y="868542"/>
-            <a:ext cx="8394212" cy="0"/>
-          </a:xfrm>
-          <a:prstGeom prst="line">
-            <a:avLst/>
-          </a:prstGeom>
-          <a:ln w="12700">
-            <a:solidFill>
-              <a:schemeClr val="bg1">
-                <a:lumMod val="95000"/>
-              </a:schemeClr>
-            </a:solidFill>
-          </a:ln>
-        </p:spPr>
-        <p:style>
-          <a:lnRef idx="1">
-            <a:schemeClr val="accent1"/>
-          </a:lnRef>
-          <a:fillRef idx="0">
-            <a:schemeClr val="accent1"/>
-          </a:fillRef>
-          <a:effectRef idx="0">
-            <a:schemeClr val="accent1"/>
-          </a:effectRef>
-          <a:fontRef idx="minor">
-            <a:schemeClr val="tx1"/>
-          </a:fontRef>
-        </p:style>
-      </p:cxnSp>
       <p:grpSp>
         <p:nvGrpSpPr>
           <p:cNvPr id="12" name="그룹 11">
@@ -19810,10 +19653,10 @@
       </p:grpSp>
       <p:sp>
         <p:nvSpPr>
-          <p:cNvPr id="2" name="Google Shape;317;p18">
+          <p:cNvPr id="7" name="Google Shape;317;p18">
             <a:extLst>
               <a:ext uri="{FF2B5EF4-FFF2-40B4-BE49-F238E27FC236}">
-                <a16:creationId xmlns:a16="http://schemas.microsoft.com/office/drawing/2014/main" id="{C3D2961D-0636-CC80-5E8A-60CA75C8F777}"/>
+                <a16:creationId xmlns:a16="http://schemas.microsoft.com/office/drawing/2014/main" id="{682428FA-6526-EA9C-A524-2CC8FA268782}"/>
               </a:ext>
             </a:extLst>
           </p:cNvPr>
@@ -19864,10 +19707,10 @@
       </p:sp>
       <p:sp>
         <p:nvSpPr>
-          <p:cNvPr id="14" name="Google Shape;318;p18">
+          <p:cNvPr id="8" name="Google Shape;318;p18">
             <a:extLst>
               <a:ext uri="{FF2B5EF4-FFF2-40B4-BE49-F238E27FC236}">
-                <a16:creationId xmlns:a16="http://schemas.microsoft.com/office/drawing/2014/main" id="{4F3BC833-8B9B-D088-1343-046571A7033B}"/>
+                <a16:creationId xmlns:a16="http://schemas.microsoft.com/office/drawing/2014/main" id="{C1BD1689-72EC-CAB0-789B-86FE04E52C38}"/>
               </a:ext>
             </a:extLst>
           </p:cNvPr>
@@ -19923,12 +19766,55 @@
           </a:p>
         </p:txBody>
       </p:sp>
+      <p:cxnSp>
+        <p:nvCxnSpPr>
+          <p:cNvPr id="10" name="직선 연결선 9">
+            <a:extLst>
+              <a:ext uri="{FF2B5EF4-FFF2-40B4-BE49-F238E27FC236}">
+                <a16:creationId xmlns:a16="http://schemas.microsoft.com/office/drawing/2014/main" id="{E10373F1-0289-C55E-B856-AD895FD210CB}"/>
+              </a:ext>
+            </a:extLst>
+          </p:cNvPr>
+          <p:cNvCxnSpPr/>
+          <p:nvPr/>
+        </p:nvCxnSpPr>
+        <p:spPr>
+          <a:xfrm>
+            <a:off x="396781" y="868542"/>
+            <a:ext cx="8394212" cy="0"/>
+          </a:xfrm>
+          <a:prstGeom prst="line">
+            <a:avLst/>
+          </a:prstGeom>
+          <a:ln w="12700">
+            <a:solidFill>
+              <a:schemeClr val="bg1">
+                <a:lumMod val="95000"/>
+              </a:schemeClr>
+            </a:solidFill>
+          </a:ln>
+        </p:spPr>
+        <p:style>
+          <a:lnRef idx="1">
+            <a:schemeClr val="accent1"/>
+          </a:lnRef>
+          <a:fillRef idx="0">
+            <a:schemeClr val="accent1"/>
+          </a:fillRef>
+          <a:effectRef idx="0">
+            <a:schemeClr val="accent1"/>
+          </a:effectRef>
+          <a:fontRef idx="minor">
+            <a:schemeClr val="tx1"/>
+          </a:fontRef>
+        </p:style>
+      </p:cxnSp>
       <p:pic>
         <p:nvPicPr>
-          <p:cNvPr id="27" name="그림 26">
+          <p:cNvPr id="11" name="그림 10">
             <a:extLst>
               <a:ext uri="{FF2B5EF4-FFF2-40B4-BE49-F238E27FC236}">
-                <a16:creationId xmlns:a16="http://schemas.microsoft.com/office/drawing/2014/main" id="{14A5A981-C009-1D31-07FB-D4B8D2ADAC90}"/>
+                <a16:creationId xmlns:a16="http://schemas.microsoft.com/office/drawing/2014/main" id="{447B2208-DD68-6A5F-70E6-1DF8229A37B5}"/>
               </a:ext>
             </a:extLst>
           </p:cNvPr>
@@ -19955,67 +19841,10 @@
       </p:pic>
       <p:sp>
         <p:nvSpPr>
-          <p:cNvPr id="28" name="Google Shape;317;p18">
+          <p:cNvPr id="30" name="사각형: 둥근 모서리 29">
             <a:extLst>
               <a:ext uri="{FF2B5EF4-FFF2-40B4-BE49-F238E27FC236}">
-                <a16:creationId xmlns:a16="http://schemas.microsoft.com/office/drawing/2014/main" id="{BF658453-BCC4-9E96-6541-054D26BC1226}"/>
-              </a:ext>
-            </a:extLst>
-          </p:cNvPr>
-          <p:cNvSpPr txBox="1"/>
-          <p:nvPr/>
-        </p:nvSpPr>
-        <p:spPr>
-          <a:xfrm>
-            <a:off x="1734234" y="475915"/>
-            <a:ext cx="1507916" cy="346218"/>
-          </a:xfrm>
-          <a:prstGeom prst="rect">
-            <a:avLst/>
-          </a:prstGeom>
-          <a:noFill/>
-          <a:ln>
-            <a:noFill/>
-          </a:ln>
-        </p:spPr>
-        <p:txBody>
-          <a:bodyPr spcFirstLastPara="1" wrap="square" lIns="68575" tIns="34275" rIns="68575" bIns="34275" anchor="t" anchorCtr="0">
-            <a:spAutoFit/>
-          </a:bodyPr>
-          <a:lstStyle/>
-          <a:p>
-            <a:pPr defTabSz="914378">
-              <a:buSzPts val="1800"/>
-              <a:defRPr/>
-            </a:pPr>
-            <a:r>
-              <a:rPr lang="en-US" altLang="ko" sz="1800" dirty="0">
-                <a:solidFill>
-                  <a:schemeClr val="tx1"/>
-                </a:solidFill>
-                <a:latin typeface="프리젠테이션 7 Bold" pitchFamily="2" charset="-127"/>
-                <a:ea typeface="프리젠테이션 7 Bold" pitchFamily="2" charset="-127"/>
-                <a:cs typeface="Pretendard SemiBold" panose="02000703000000020004" pitchFamily="2" charset="-127"/>
-              </a:rPr>
-              <a:t>{{title}}</a:t>
-            </a:r>
-            <a:endParaRPr lang="ko-KR" altLang="en-US" sz="1800" dirty="0">
-              <a:solidFill>
-                <a:schemeClr val="tx1"/>
-              </a:solidFill>
-              <a:latin typeface="프리젠테이션 7 Bold" pitchFamily="2" charset="-127"/>
-              <a:ea typeface="프리젠테이션 7 Bold" pitchFamily="2" charset="-127"/>
-              <a:cs typeface="Pretendard SemiBold" panose="02000703000000020004" pitchFamily="2" charset="-127"/>
-            </a:endParaRPr>
-          </a:p>
-        </p:txBody>
-      </p:sp>
-      <p:sp>
-        <p:nvSpPr>
-          <p:cNvPr id="29" name="사각형: 둥근 모서리 28">
-            <a:extLst>
-              <a:ext uri="{FF2B5EF4-FFF2-40B4-BE49-F238E27FC236}">
-                <a16:creationId xmlns:a16="http://schemas.microsoft.com/office/drawing/2014/main" id="{CBF27ACE-EAE2-81C1-166C-252BDDB6112F}"/>
+                <a16:creationId xmlns:a16="http://schemas.microsoft.com/office/drawing/2014/main" id="{C7072441-5F63-2099-1EED-CCAE06198AB8}"/>
               </a:ext>
             </a:extLst>
           </p:cNvPr>
@@ -20071,7 +19900,51 @@
                 <a:ea typeface="프리젠테이션 4 Regular" pitchFamily="2" charset="-127"/>
                 <a:cs typeface="Pretendard Medium" panose="02000603000000020004" pitchFamily="50" charset="-127"/>
               </a:rPr>
-              <a:t>{{period}} | </a:t>
+              <a:t>{{</a:t>
+            </a:r>
+            <a:r>
+              <a:rPr lang="en-US" altLang="ko-KR" sz="750" dirty="0" err="1">
+                <a:solidFill>
+                  <a:srgbClr val="000000"/>
+                </a:solidFill>
+                <a:latin typeface="프리젠테이션 4 Regular" pitchFamily="2" charset="-127"/>
+                <a:ea typeface="프리젠테이션 4 Regular" pitchFamily="2" charset="-127"/>
+                <a:cs typeface="Pretendard Medium" panose="02000603000000020004" pitchFamily="50" charset="-127"/>
+              </a:rPr>
+              <a:t>start_date</a:t>
+            </a:r>
+            <a:r>
+              <a:rPr lang="en-US" altLang="ko-KR" sz="750" dirty="0">
+                <a:solidFill>
+                  <a:srgbClr val="000000"/>
+                </a:solidFill>
+                <a:latin typeface="프리젠테이션 4 Regular" pitchFamily="2" charset="-127"/>
+                <a:ea typeface="프리젠테이션 4 Regular" pitchFamily="2" charset="-127"/>
+                <a:cs typeface="Pretendard Medium" panose="02000603000000020004" pitchFamily="50" charset="-127"/>
+              </a:rPr>
+              <a:t>}}-{{</a:t>
+            </a:r>
+            <a:r>
+              <a:rPr lang="en-US" altLang="ko-KR" sz="750" dirty="0" err="1">
+                <a:solidFill>
+                  <a:srgbClr val="000000"/>
+                </a:solidFill>
+                <a:latin typeface="프리젠테이션 4 Regular" pitchFamily="2" charset="-127"/>
+                <a:ea typeface="프리젠테이션 4 Regular" pitchFamily="2" charset="-127"/>
+                <a:cs typeface="Pretendard Medium" panose="02000603000000020004" pitchFamily="50" charset="-127"/>
+              </a:rPr>
+              <a:t>end_date</a:t>
+            </a:r>
+            <a:r>
+              <a:rPr lang="en-US" altLang="ko-KR" sz="750" dirty="0">
+                <a:solidFill>
+                  <a:srgbClr val="000000"/>
+                </a:solidFill>
+                <a:latin typeface="프리젠테이션 4 Regular" pitchFamily="2" charset="-127"/>
+                <a:ea typeface="프리젠테이션 4 Regular" pitchFamily="2" charset="-127"/>
+                <a:cs typeface="Pretendard Medium" panose="02000603000000020004" pitchFamily="50" charset="-127"/>
+              </a:rPr>
+              <a:t>}} | </a:t>
             </a:r>
             <a:r>
               <a:rPr lang="ko-KR" altLang="en-US" sz="750" dirty="0">
@@ -20102,6 +19975,63 @@
               <a:latin typeface="프리젠테이션 4 Regular" pitchFamily="2" charset="-127"/>
               <a:ea typeface="프리젠테이션 4 Regular" pitchFamily="2" charset="-127"/>
               <a:cs typeface="Pretendard Medium" panose="02000603000000020004" pitchFamily="50" charset="-127"/>
+            </a:endParaRPr>
+          </a:p>
+        </p:txBody>
+      </p:sp>
+      <p:sp>
+        <p:nvSpPr>
+          <p:cNvPr id="31" name="Google Shape;317;p18">
+            <a:extLst>
+              <a:ext uri="{FF2B5EF4-FFF2-40B4-BE49-F238E27FC236}">
+                <a16:creationId xmlns:a16="http://schemas.microsoft.com/office/drawing/2014/main" id="{7384BB5A-4605-B9F9-249D-D7CA243CA252}"/>
+              </a:ext>
+            </a:extLst>
+          </p:cNvPr>
+          <p:cNvSpPr txBox="1"/>
+          <p:nvPr/>
+        </p:nvSpPr>
+        <p:spPr>
+          <a:xfrm>
+            <a:off x="1734234" y="475915"/>
+            <a:ext cx="1507916" cy="346218"/>
+          </a:xfrm>
+          <a:prstGeom prst="rect">
+            <a:avLst/>
+          </a:prstGeom>
+          <a:noFill/>
+          <a:ln>
+            <a:noFill/>
+          </a:ln>
+        </p:spPr>
+        <p:txBody>
+          <a:bodyPr spcFirstLastPara="1" wrap="square" lIns="68575" tIns="34275" rIns="68575" bIns="34275" anchor="t" anchorCtr="0">
+            <a:spAutoFit/>
+          </a:bodyPr>
+          <a:lstStyle/>
+          <a:p>
+            <a:pPr defTabSz="914378">
+              <a:buSzPts val="1800"/>
+              <a:defRPr/>
+            </a:pPr>
+            <a:r>
+              <a:rPr lang="en-US" altLang="ko" sz="1800" dirty="0">
+                <a:solidFill>
+                  <a:schemeClr val="tx1"/>
+                </a:solidFill>
+                <a:latin typeface="프리젠테이션 7 Bold" pitchFamily="2" charset="-127"/>
+                <a:ea typeface="프리젠테이션 7 Bold" pitchFamily="2" charset="-127"/>
+                <a:cs typeface="Pretendard SemiBold" panose="02000703000000020004" pitchFamily="2" charset="-127"/>
+              </a:rPr>
+              <a:t>{{project}}</a:t>
+            </a:r>
+            <a:endParaRPr lang="ko-KR" altLang="en-US" sz="1800" dirty="0">
+              <a:solidFill>
+                <a:schemeClr val="tx1"/>
+              </a:solidFill>
+              <a:latin typeface="프리젠테이션 7 Bold" pitchFamily="2" charset="-127"/>
+              <a:ea typeface="프리젠테이션 7 Bold" pitchFamily="2" charset="-127"/>
+              <a:cs typeface="Pretendard SemiBold" panose="02000703000000020004" pitchFamily="2" charset="-127"/>
             </a:endParaRPr>
           </a:p>
         </p:txBody>
@@ -20571,13 +20501,13 @@
               </a:defRPr>
             </a:pPr>
             <a:r>
-              <a:rPr lang="en-US" altLang="ko-KR" sz="800">
+              <a:rPr lang="en-US" altLang="ko-KR" sz="800" dirty="0">
                 <a:latin typeface="프리젠테이션 5 Medium" pitchFamily="2" charset="-127"/>
                 <a:ea typeface="프리젠테이션 5 Medium" pitchFamily="2" charset="-127"/>
                 <a:cs typeface="Pretendard"/>
                 <a:sym typeface="Pretendard"/>
               </a:rPr>
-              <a:t>{{detail}}</a:t>
+              <a:t>{{details}}</a:t>
             </a:r>
             <a:endParaRPr lang="ko-KR" altLang="en-US" sz="800" dirty="0">
               <a:latin typeface="프리젠테이션 5 Medium" pitchFamily="2" charset="-127"/>
@@ -20975,7 +20905,7 @@
                 <a:ea typeface="프리젠테이션 4 Regular" pitchFamily="2" charset="-127"/>
                 <a:cs typeface="Pretendard Medium" panose="02000603000000020004" pitchFamily="50" charset="-127"/>
               </a:rPr>
-              <a:t>{{result}}</a:t>
+              <a:t>{{results}}</a:t>
             </a:r>
             <a:endParaRPr dirty="0">
               <a:latin typeface="프리젠테이션 4 Regular" pitchFamily="2" charset="-127"/>
@@ -21390,49 +21320,6 @@
           </a:p>
         </p:txBody>
       </p:sp>
-      <p:cxnSp>
-        <p:nvCxnSpPr>
-          <p:cNvPr id="12" name="직선 연결선 11">
-            <a:extLst>
-              <a:ext uri="{FF2B5EF4-FFF2-40B4-BE49-F238E27FC236}">
-                <a16:creationId xmlns:a16="http://schemas.microsoft.com/office/drawing/2014/main" id="{57C04E9D-0D9B-A19F-9A0C-1DDB34D8D42C}"/>
-              </a:ext>
-            </a:extLst>
-          </p:cNvPr>
-          <p:cNvCxnSpPr/>
-          <p:nvPr/>
-        </p:nvCxnSpPr>
-        <p:spPr>
-          <a:xfrm>
-            <a:off x="396781" y="868542"/>
-            <a:ext cx="8394212" cy="0"/>
-          </a:xfrm>
-          <a:prstGeom prst="line">
-            <a:avLst/>
-          </a:prstGeom>
-          <a:ln w="12700">
-            <a:solidFill>
-              <a:schemeClr val="bg1">
-                <a:lumMod val="95000"/>
-              </a:schemeClr>
-            </a:solidFill>
-          </a:ln>
-        </p:spPr>
-        <p:style>
-          <a:lnRef idx="1">
-            <a:schemeClr val="accent1"/>
-          </a:lnRef>
-          <a:fillRef idx="0">
-            <a:schemeClr val="accent1"/>
-          </a:fillRef>
-          <a:effectRef idx="0">
-            <a:schemeClr val="accent1"/>
-          </a:effectRef>
-          <a:fontRef idx="minor">
-            <a:schemeClr val="tx1"/>
-          </a:fontRef>
-        </p:style>
-      </p:cxnSp>
       <p:grpSp>
         <p:nvGrpSpPr>
           <p:cNvPr id="22" name="그룹 21">
@@ -22639,10 +22526,10 @@
       </p:pic>
       <p:sp>
         <p:nvSpPr>
-          <p:cNvPr id="3" name="Google Shape;317;p18">
+          <p:cNvPr id="2" name="Google Shape;317;p18">
             <a:extLst>
               <a:ext uri="{FF2B5EF4-FFF2-40B4-BE49-F238E27FC236}">
-                <a16:creationId xmlns:a16="http://schemas.microsoft.com/office/drawing/2014/main" id="{07C90AD7-718C-3B99-8451-489684590B6F}"/>
+                <a16:creationId xmlns:a16="http://schemas.microsoft.com/office/drawing/2014/main" id="{2B07A90A-9619-3FC8-9CA5-41C37355B3BB}"/>
               </a:ext>
             </a:extLst>
           </p:cNvPr>
@@ -22693,10 +22580,10 @@
       </p:sp>
       <p:sp>
         <p:nvSpPr>
-          <p:cNvPr id="5" name="Google Shape;318;p18">
+          <p:cNvPr id="4" name="Google Shape;318;p18">
             <a:extLst>
               <a:ext uri="{FF2B5EF4-FFF2-40B4-BE49-F238E27FC236}">
-                <a16:creationId xmlns:a16="http://schemas.microsoft.com/office/drawing/2014/main" id="{59C6867C-54AA-9081-C792-F32776408FDD}"/>
+                <a16:creationId xmlns:a16="http://schemas.microsoft.com/office/drawing/2014/main" id="{1A896FC6-46F5-371A-8C18-1F5515E6E463}"/>
               </a:ext>
             </a:extLst>
           </p:cNvPr>
@@ -22752,12 +22639,55 @@
           </a:p>
         </p:txBody>
       </p:sp>
+      <p:cxnSp>
+        <p:nvCxnSpPr>
+          <p:cNvPr id="9" name="직선 연결선 8">
+            <a:extLst>
+              <a:ext uri="{FF2B5EF4-FFF2-40B4-BE49-F238E27FC236}">
+                <a16:creationId xmlns:a16="http://schemas.microsoft.com/office/drawing/2014/main" id="{D5E532A1-8556-E1A4-543E-2E7841BA160E}"/>
+              </a:ext>
+            </a:extLst>
+          </p:cNvPr>
+          <p:cNvCxnSpPr/>
+          <p:nvPr/>
+        </p:nvCxnSpPr>
+        <p:spPr>
+          <a:xfrm>
+            <a:off x="396781" y="868542"/>
+            <a:ext cx="8394212" cy="0"/>
+          </a:xfrm>
+          <a:prstGeom prst="line">
+            <a:avLst/>
+          </a:prstGeom>
+          <a:ln w="12700">
+            <a:solidFill>
+              <a:schemeClr val="bg1">
+                <a:lumMod val="95000"/>
+              </a:schemeClr>
+            </a:solidFill>
+          </a:ln>
+        </p:spPr>
+        <p:style>
+          <a:lnRef idx="1">
+            <a:schemeClr val="accent1"/>
+          </a:lnRef>
+          <a:fillRef idx="0">
+            <a:schemeClr val="accent1"/>
+          </a:fillRef>
+          <a:effectRef idx="0">
+            <a:schemeClr val="accent1"/>
+          </a:effectRef>
+          <a:fontRef idx="minor">
+            <a:schemeClr val="tx1"/>
+          </a:fontRef>
+        </p:style>
+      </p:cxnSp>
       <p:pic>
         <p:nvPicPr>
-          <p:cNvPr id="6" name="그림 5">
+          <p:cNvPr id="10" name="그림 9">
             <a:extLst>
               <a:ext uri="{FF2B5EF4-FFF2-40B4-BE49-F238E27FC236}">
-                <a16:creationId xmlns:a16="http://schemas.microsoft.com/office/drawing/2014/main" id="{DF102BE4-1446-2464-A59B-B29D6F8572F0}"/>
+                <a16:creationId xmlns:a16="http://schemas.microsoft.com/office/drawing/2014/main" id="{C1582371-94BE-F66E-8A8A-FA56E5FF3ACA}"/>
               </a:ext>
             </a:extLst>
           </p:cNvPr>
@@ -22784,67 +22714,10 @@
       </p:pic>
       <p:sp>
         <p:nvSpPr>
-          <p:cNvPr id="7" name="Google Shape;317;p18">
+          <p:cNvPr id="11" name="사각형: 둥근 모서리 10">
             <a:extLst>
               <a:ext uri="{FF2B5EF4-FFF2-40B4-BE49-F238E27FC236}">
-                <a16:creationId xmlns:a16="http://schemas.microsoft.com/office/drawing/2014/main" id="{E8702E5C-9DC0-2A12-DC24-D4787D7979FF}"/>
-              </a:ext>
-            </a:extLst>
-          </p:cNvPr>
-          <p:cNvSpPr txBox="1"/>
-          <p:nvPr/>
-        </p:nvSpPr>
-        <p:spPr>
-          <a:xfrm>
-            <a:off x="1734234" y="475915"/>
-            <a:ext cx="1507916" cy="346218"/>
-          </a:xfrm>
-          <a:prstGeom prst="rect">
-            <a:avLst/>
-          </a:prstGeom>
-          <a:noFill/>
-          <a:ln>
-            <a:noFill/>
-          </a:ln>
-        </p:spPr>
-        <p:txBody>
-          <a:bodyPr spcFirstLastPara="1" wrap="square" lIns="68575" tIns="34275" rIns="68575" bIns="34275" anchor="t" anchorCtr="0">
-            <a:spAutoFit/>
-          </a:bodyPr>
-          <a:lstStyle/>
-          <a:p>
-            <a:pPr defTabSz="914378">
-              <a:buSzPts val="1800"/>
-              <a:defRPr/>
-            </a:pPr>
-            <a:r>
-              <a:rPr lang="en-US" altLang="ko" sz="1800" dirty="0">
-                <a:solidFill>
-                  <a:schemeClr val="tx1"/>
-                </a:solidFill>
-                <a:latin typeface="프리젠테이션 7 Bold" pitchFamily="2" charset="-127"/>
-                <a:ea typeface="프리젠테이션 7 Bold" pitchFamily="2" charset="-127"/>
-                <a:cs typeface="Pretendard SemiBold" panose="02000703000000020004" pitchFamily="2" charset="-127"/>
-              </a:rPr>
-              <a:t>{{title}}</a:t>
-            </a:r>
-            <a:endParaRPr lang="ko-KR" altLang="en-US" sz="1800" dirty="0">
-              <a:solidFill>
-                <a:schemeClr val="tx1"/>
-              </a:solidFill>
-              <a:latin typeface="프리젠테이션 7 Bold" pitchFamily="2" charset="-127"/>
-              <a:ea typeface="프리젠테이션 7 Bold" pitchFamily="2" charset="-127"/>
-              <a:cs typeface="Pretendard SemiBold" panose="02000703000000020004" pitchFamily="2" charset="-127"/>
-            </a:endParaRPr>
-          </a:p>
-        </p:txBody>
-      </p:sp>
-      <p:sp>
-        <p:nvSpPr>
-          <p:cNvPr id="8" name="사각형: 둥근 모서리 7">
-            <a:extLst>
-              <a:ext uri="{FF2B5EF4-FFF2-40B4-BE49-F238E27FC236}">
-                <a16:creationId xmlns:a16="http://schemas.microsoft.com/office/drawing/2014/main" id="{61509565-3468-116A-4D83-1D87D8C30288}"/>
+                <a16:creationId xmlns:a16="http://schemas.microsoft.com/office/drawing/2014/main" id="{666F1022-6218-85C4-8401-7552BFCB75B7}"/>
               </a:ext>
             </a:extLst>
           </p:cNvPr>
@@ -22900,7 +22773,51 @@
                 <a:ea typeface="프리젠테이션 4 Regular" pitchFamily="2" charset="-127"/>
                 <a:cs typeface="Pretendard Medium" panose="02000603000000020004" pitchFamily="50" charset="-127"/>
               </a:rPr>
-              <a:t>{{period}} | </a:t>
+              <a:t>{{</a:t>
+            </a:r>
+            <a:r>
+              <a:rPr lang="en-US" altLang="ko-KR" sz="750" dirty="0" err="1">
+                <a:solidFill>
+                  <a:srgbClr val="000000"/>
+                </a:solidFill>
+                <a:latin typeface="프리젠테이션 4 Regular" pitchFamily="2" charset="-127"/>
+                <a:ea typeface="프리젠테이션 4 Regular" pitchFamily="2" charset="-127"/>
+                <a:cs typeface="Pretendard Medium" panose="02000603000000020004" pitchFamily="50" charset="-127"/>
+              </a:rPr>
+              <a:t>start_date</a:t>
+            </a:r>
+            <a:r>
+              <a:rPr lang="en-US" altLang="ko-KR" sz="750" dirty="0">
+                <a:solidFill>
+                  <a:srgbClr val="000000"/>
+                </a:solidFill>
+                <a:latin typeface="프리젠테이션 4 Regular" pitchFamily="2" charset="-127"/>
+                <a:ea typeface="프리젠테이션 4 Regular" pitchFamily="2" charset="-127"/>
+                <a:cs typeface="Pretendard Medium" panose="02000603000000020004" pitchFamily="50" charset="-127"/>
+              </a:rPr>
+              <a:t>}}-{{</a:t>
+            </a:r>
+            <a:r>
+              <a:rPr lang="en-US" altLang="ko-KR" sz="750" dirty="0" err="1">
+                <a:solidFill>
+                  <a:srgbClr val="000000"/>
+                </a:solidFill>
+                <a:latin typeface="프리젠테이션 4 Regular" pitchFamily="2" charset="-127"/>
+                <a:ea typeface="프리젠테이션 4 Regular" pitchFamily="2" charset="-127"/>
+                <a:cs typeface="Pretendard Medium" panose="02000603000000020004" pitchFamily="50" charset="-127"/>
+              </a:rPr>
+              <a:t>end_date</a:t>
+            </a:r>
+            <a:r>
+              <a:rPr lang="en-US" altLang="ko-KR" sz="750" dirty="0">
+                <a:solidFill>
+                  <a:srgbClr val="000000"/>
+                </a:solidFill>
+                <a:latin typeface="프리젠테이션 4 Regular" pitchFamily="2" charset="-127"/>
+                <a:ea typeface="프리젠테이션 4 Regular" pitchFamily="2" charset="-127"/>
+                <a:cs typeface="Pretendard Medium" panose="02000603000000020004" pitchFamily="50" charset="-127"/>
+              </a:rPr>
+              <a:t>}} | </a:t>
             </a:r>
             <a:r>
               <a:rPr lang="ko-KR" altLang="en-US" sz="750" dirty="0">
@@ -22931,6 +22848,63 @@
               <a:latin typeface="프리젠테이션 4 Regular" pitchFamily="2" charset="-127"/>
               <a:ea typeface="프리젠테이션 4 Regular" pitchFamily="2" charset="-127"/>
               <a:cs typeface="Pretendard Medium" panose="02000603000000020004" pitchFamily="50" charset="-127"/>
+            </a:endParaRPr>
+          </a:p>
+        </p:txBody>
+      </p:sp>
+      <p:sp>
+        <p:nvSpPr>
+          <p:cNvPr id="13" name="Google Shape;317;p18">
+            <a:extLst>
+              <a:ext uri="{FF2B5EF4-FFF2-40B4-BE49-F238E27FC236}">
+                <a16:creationId xmlns:a16="http://schemas.microsoft.com/office/drawing/2014/main" id="{1FF94AD1-6570-F7EA-B5B6-8D1A105E0D19}"/>
+              </a:ext>
+            </a:extLst>
+          </p:cNvPr>
+          <p:cNvSpPr txBox="1"/>
+          <p:nvPr/>
+        </p:nvSpPr>
+        <p:spPr>
+          <a:xfrm>
+            <a:off x="1734234" y="475915"/>
+            <a:ext cx="1507916" cy="346218"/>
+          </a:xfrm>
+          <a:prstGeom prst="rect">
+            <a:avLst/>
+          </a:prstGeom>
+          <a:noFill/>
+          <a:ln>
+            <a:noFill/>
+          </a:ln>
+        </p:spPr>
+        <p:txBody>
+          <a:bodyPr spcFirstLastPara="1" wrap="square" lIns="68575" tIns="34275" rIns="68575" bIns="34275" anchor="t" anchorCtr="0">
+            <a:spAutoFit/>
+          </a:bodyPr>
+          <a:lstStyle/>
+          <a:p>
+            <a:pPr defTabSz="914378">
+              <a:buSzPts val="1800"/>
+              <a:defRPr/>
+            </a:pPr>
+            <a:r>
+              <a:rPr lang="en-US" altLang="ko" sz="1800" dirty="0">
+                <a:solidFill>
+                  <a:schemeClr val="tx1"/>
+                </a:solidFill>
+                <a:latin typeface="프리젠테이션 7 Bold" pitchFamily="2" charset="-127"/>
+                <a:ea typeface="프리젠테이션 7 Bold" pitchFamily="2" charset="-127"/>
+                <a:cs typeface="Pretendard SemiBold" panose="02000703000000020004" pitchFamily="2" charset="-127"/>
+              </a:rPr>
+              <a:t>{{project}}</a:t>
+            </a:r>
+            <a:endParaRPr lang="ko-KR" altLang="en-US" sz="1800" dirty="0">
+              <a:solidFill>
+                <a:schemeClr val="tx1"/>
+              </a:solidFill>
+              <a:latin typeface="프리젠테이션 7 Bold" pitchFamily="2" charset="-127"/>
+              <a:ea typeface="프리젠테이션 7 Bold" pitchFamily="2" charset="-127"/>
+              <a:cs typeface="Pretendard SemiBold" panose="02000703000000020004" pitchFamily="2" charset="-127"/>
             </a:endParaRPr>
           </a:p>
         </p:txBody>
